--- a/presentation.pptx
+++ b/presentation.pptx
@@ -3274,6 +3274,13 @@
   <p:clrMapOvr>
     <a:masterClrMapping/>
   </p:clrMapOvr>
+  <p:timing>
+    <p:tnLst>
+      <p:par>
+        <p:cTn xmlns:p14="http://schemas.microsoft.com/office/powerpoint/2010/main" id="1" dur="indefinite" restart="never" nodeType="tmRoot"/>
+      </p:par>
+    </p:tnLst>
+  </p:timing>
 </p:sld>
 </file>
 
@@ -3342,6 +3349,13 @@
   <p:clrMapOvr>
     <a:masterClrMapping/>
   </p:clrMapOvr>
+  <p:timing>
+    <p:tnLst>
+      <p:par>
+        <p:cTn xmlns:p14="http://schemas.microsoft.com/office/powerpoint/2010/main" id="1" dur="indefinite" restart="never" nodeType="tmRoot"/>
+      </p:par>
+    </p:tnLst>
+  </p:timing>
 </p:sld>
 </file>
 
@@ -3492,6 +3506,13 @@
   <p:clrMapOvr>
     <a:masterClrMapping/>
   </p:clrMapOvr>
+  <p:timing>
+    <p:tnLst>
+      <p:par>
+        <p:cTn xmlns:p14="http://schemas.microsoft.com/office/powerpoint/2010/main" id="1" dur="indefinite" restart="never" nodeType="tmRoot"/>
+      </p:par>
+    </p:tnLst>
+  </p:timing>
 </p:sld>
 </file>
 
@@ -3555,8 +3576,65 @@
         </p:nvSpPr>
         <p:spPr/>
         <p:txBody>
-          <a:bodyPr/>
-          <a:lstStyle/>
+          <a:bodyPr>
+            <a:normAutofit lnSpcReduction="10000"/>
+          </a:bodyPr>
+          <a:lstStyle/>
+          <a:p>
+            <a:r>
+              <a:rPr lang="en-US" dirty="0" err="1"/>
+              <a:t>Optimizacija</a:t>
+            </a:r>
+            <a:r>
+              <a:rPr lang="en-US" dirty="0"/>
+              <a:t> </a:t>
+            </a:r>
+            <a:r>
+              <a:rPr lang="en-US" dirty="0" err="1"/>
+              <a:t>časa</a:t>
+            </a:r>
+            <a:r>
+              <a:rPr lang="en-US" dirty="0"/>
+              <a:t> </a:t>
+            </a:r>
+            <a:r>
+              <a:rPr lang="en-US" dirty="0" err="1"/>
+              <a:t>rdečih</a:t>
+            </a:r>
+            <a:r>
+              <a:rPr lang="en-US" dirty="0"/>
+              <a:t> in </a:t>
+            </a:r>
+            <a:r>
+              <a:rPr lang="en-US" dirty="0" err="1"/>
+              <a:t>zelenih</a:t>
+            </a:r>
+            <a:r>
+              <a:rPr lang="en-US" dirty="0"/>
+              <a:t> </a:t>
+            </a:r>
+            <a:r>
+              <a:rPr lang="en-US" dirty="0" err="1"/>
+              <a:t>luči</a:t>
+            </a:r>
+            <a:r>
+              <a:rPr lang="en-US" dirty="0"/>
+              <a:t> </a:t>
+            </a:r>
+            <a:r>
+              <a:rPr lang="en-US" dirty="0" err="1"/>
+              <a:t>na</a:t>
+            </a:r>
+            <a:r>
+              <a:rPr lang="en-US" dirty="0"/>
+              <a:t> </a:t>
+            </a:r>
+            <a:r>
+              <a:rPr lang="en-US" dirty="0" err="1" smtClean="0"/>
+              <a:t>semaforjih</a:t>
+            </a:r>
+            <a:endParaRPr lang="en-US" dirty="0" smtClean="0"/>
+          </a:p>
           <a:p>
             <a:r>
               <a:rPr lang="en-US" dirty="0" err="1" smtClean="0"/>
@@ -3690,8 +3768,12 @@
               <a:t> </a:t>
             </a:r>
             <a:r>
-              <a:rPr lang="en-US" smtClean="0"/>
-              <a:t>čakamo </a:t>
+              <a:rPr lang="en-US" dirty="0" err="1" smtClean="0"/>
+              <a:t>čakamo</a:t>
+            </a:r>
+            <a:r>
+              <a:rPr lang="en-US" dirty="0" smtClean="0"/>
+              <a:t> </a:t>
             </a:r>
             <a:r>
               <a:rPr lang="en-US" dirty="0" err="1" smtClean="0"/>
@@ -3721,7 +3803,7 @@
               <a:rPr lang="en-US" dirty="0" err="1" smtClean="0"/>
               <a:t>koloni</a:t>
             </a:r>
-            <a:endParaRPr lang="en-US" dirty="0"/>
+            <a:endParaRPr lang="en-US" dirty="0" smtClean="0"/>
           </a:p>
         </p:txBody>
       </p:sp>
@@ -3735,6 +3817,13 @@
   <p:clrMapOvr>
     <a:masterClrMapping/>
   </p:clrMapOvr>
+  <p:timing>
+    <p:tnLst>
+      <p:par>
+        <p:cTn xmlns:p14="http://schemas.microsoft.com/office/powerpoint/2010/main" id="1" dur="indefinite" restart="never" nodeType="tmRoot"/>
+      </p:par>
+    </p:tnLst>
+  </p:timing>
 </p:sld>
 </file>
 
@@ -3770,7 +3859,19 @@
           <a:bodyPr/>
           <a:lstStyle/>
           <a:p>
-            <a:endParaRPr lang="en-US"/>
+            <a:r>
+              <a:rPr lang="en-US" dirty="0" err="1" smtClean="0"/>
+              <a:t>Genetski</a:t>
+            </a:r>
+            <a:r>
+              <a:rPr lang="en-US" dirty="0" smtClean="0"/>
+              <a:t> </a:t>
+            </a:r>
+            <a:r>
+              <a:rPr lang="en-US" dirty="0" err="1" smtClean="0"/>
+              <a:t>algoritmi</a:t>
+            </a:r>
+            <a:endParaRPr lang="en-US" dirty="0"/>
           </a:p>
         </p:txBody>
       </p:sp>
@@ -3786,10 +3887,107 @@
         </p:nvSpPr>
         <p:spPr/>
         <p:txBody>
-          <a:bodyPr/>
-          <a:lstStyle/>
-          <a:p>
-            <a:endParaRPr lang="en-US"/>
+          <a:bodyPr>
+            <a:normAutofit fontScale="92500" lnSpcReduction="10000"/>
+          </a:bodyPr>
+          <a:lstStyle/>
+          <a:p>
+            <a:pPr marL="0" indent="0">
+              <a:buNone/>
+            </a:pPr>
+            <a:endParaRPr lang="en-US" dirty="0" smtClean="0"/>
+          </a:p>
+          <a:p>
+            <a:r>
+              <a:rPr lang="en-US" dirty="0" err="1" smtClean="0"/>
+              <a:t>Povzemanje</a:t>
+            </a:r>
+            <a:r>
+              <a:rPr lang="en-US" dirty="0" smtClean="0"/>
+              <a:t> </a:t>
+            </a:r>
+            <a:r>
+              <a:rPr lang="en-US" dirty="0" err="1" smtClean="0"/>
+              <a:t>idej</a:t>
+            </a:r>
+            <a:r>
+              <a:rPr lang="en-US" dirty="0" smtClean="0"/>
+              <a:t> od v </a:t>
+            </a:r>
+            <a:r>
+              <a:rPr lang="en-US" dirty="0" err="1" smtClean="0"/>
+              <a:t>naravi</a:t>
+            </a:r>
+            <a:r>
+              <a:rPr lang="en-US" dirty="0" smtClean="0"/>
+              <a:t> </a:t>
+            </a:r>
+            <a:r>
+              <a:rPr lang="en-US" dirty="0" err="1" smtClean="0"/>
+              <a:t>skozi</a:t>
+            </a:r>
+            <a:r>
+              <a:rPr lang="en-US" dirty="0" smtClean="0"/>
+              <a:t> </a:t>
+            </a:r>
+            <a:r>
+              <a:rPr lang="en-US" dirty="0" err="1" smtClean="0"/>
+              <a:t>evolucijo</a:t>
+            </a:r>
+            <a:r>
+              <a:rPr lang="en-US" dirty="0" smtClean="0"/>
+              <a:t> </a:t>
+            </a:r>
+            <a:r>
+              <a:rPr lang="en-US" dirty="0" err="1" smtClean="0"/>
+              <a:t>dokazanih</a:t>
+            </a:r>
+            <a:r>
+              <a:rPr lang="en-US" dirty="0" smtClean="0"/>
+              <a:t> </a:t>
+            </a:r>
+            <a:r>
+              <a:rPr lang="en-US" dirty="0" err="1" smtClean="0"/>
+              <a:t>načinov</a:t>
+            </a:r>
+            <a:r>
+              <a:rPr lang="en-US" dirty="0" smtClean="0"/>
+              <a:t> </a:t>
+            </a:r>
+            <a:r>
+              <a:rPr lang="en-US" dirty="0" err="1" smtClean="0"/>
+              <a:t>delovanja</a:t>
+            </a:r>
+            <a:r>
+              <a:rPr lang="en-US" dirty="0" smtClean="0"/>
+              <a:t> in </a:t>
+            </a:r>
+            <a:r>
+              <a:rPr lang="en-US" dirty="0" err="1" smtClean="0"/>
+              <a:t>preživetja</a:t>
+            </a:r>
+            <a:endParaRPr lang="en-US" dirty="0" smtClean="0"/>
+          </a:p>
+          <a:p>
+            <a:r>
+              <a:rPr lang="en-US" dirty="0" err="1" smtClean="0"/>
+              <a:t>Križanje</a:t>
+            </a:r>
+            <a:endParaRPr lang="en-US" dirty="0" smtClean="0"/>
+          </a:p>
+          <a:p>
+            <a:r>
+              <a:rPr lang="en-US" dirty="0" err="1" smtClean="0"/>
+              <a:t>Mutacija</a:t>
+            </a:r>
+            <a:endParaRPr lang="en-US" dirty="0" smtClean="0"/>
+          </a:p>
+          <a:p>
+            <a:r>
+              <a:rPr lang="en-US" dirty="0" err="1" smtClean="0"/>
+              <a:t>Dedovanje</a:t>
+            </a:r>
+            <a:endParaRPr lang="en-US" dirty="0"/>
           </a:p>
         </p:txBody>
       </p:sp>
@@ -3803,6 +4001,13 @@
   <p:clrMapOvr>
     <a:masterClrMapping/>
   </p:clrMapOvr>
+  <p:timing>
+    <p:tnLst>
+      <p:par>
+        <p:cTn xmlns:p14="http://schemas.microsoft.com/office/powerpoint/2010/main" id="1" dur="indefinite" restart="never" nodeType="tmRoot"/>
+      </p:par>
+    </p:tnLst>
+  </p:timing>
 </p:sld>
 </file>
 
@@ -3838,26 +4043,1099 @@
           <a:bodyPr/>
           <a:lstStyle/>
           <a:p>
-            <a:endParaRPr lang="en-US"/>
-          </a:p>
-        </p:txBody>
-      </p:sp>
-      <p:sp>
-        <p:nvSpPr>
-          <p:cNvPr id="3" name="Content Placeholder 2"/>
-          <p:cNvSpPr>
-            <a:spLocks noGrp="1"/>
-          </p:cNvSpPr>
-          <p:nvPr>
-            <p:ph idx="1"/>
-          </p:nvPr>
-        </p:nvSpPr>
-        <p:spPr/>
-        <p:txBody>
-          <a:bodyPr/>
-          <a:lstStyle/>
-          <a:p>
-            <a:endParaRPr lang="en-US"/>
+            <a:r>
+              <a:rPr lang="en-US" dirty="0" err="1" smtClean="0"/>
+              <a:t>Križanje</a:t>
+            </a:r>
+            <a:r>
+              <a:rPr lang="en-US" dirty="0" smtClean="0"/>
+              <a:t> in </a:t>
+            </a:r>
+            <a:r>
+              <a:rPr lang="en-US" dirty="0" err="1" smtClean="0"/>
+              <a:t>mutacija</a:t>
+            </a:r>
+            <a:endParaRPr lang="en-US" dirty="0"/>
+          </a:p>
+        </p:txBody>
+      </p:sp>
+      <p:sp>
+        <p:nvSpPr>
+          <p:cNvPr id="4" name="Cube 3"/>
+          <p:cNvSpPr/>
+          <p:nvPr/>
+        </p:nvSpPr>
+        <p:spPr>
+          <a:xfrm>
+            <a:off x="457200" y="2991546"/>
+            <a:ext cx="818445" cy="479777"/>
+          </a:xfrm>
+          <a:prstGeom prst="cube">
+            <a:avLst/>
+          </a:prstGeom>
+        </p:spPr>
+        <p:style>
+          <a:lnRef idx="1">
+            <a:schemeClr val="accent4"/>
+          </a:lnRef>
+          <a:fillRef idx="2">
+            <a:schemeClr val="accent4"/>
+          </a:fillRef>
+          <a:effectRef idx="1">
+            <a:schemeClr val="accent4"/>
+          </a:effectRef>
+          <a:fontRef idx="minor">
+            <a:schemeClr val="dk1"/>
+          </a:fontRef>
+        </p:style>
+        <p:txBody>
+          <a:bodyPr rtlCol="0" anchor="ctr"/>
+          <a:lstStyle/>
+          <a:p>
+            <a:pPr algn="ctr"/>
+            <a:r>
+              <a:rPr lang="en-US" dirty="0" smtClean="0">
+                <a:latin typeface="Arial"/>
+                <a:cs typeface="Arial"/>
+              </a:rPr>
+              <a:t>2,3</a:t>
+            </a:r>
+            <a:endParaRPr lang="en-US" dirty="0">
+              <a:latin typeface="Arial"/>
+              <a:cs typeface="Arial"/>
+            </a:endParaRPr>
+          </a:p>
+        </p:txBody>
+      </p:sp>
+      <p:sp>
+        <p:nvSpPr>
+          <p:cNvPr id="5" name="Cube 4"/>
+          <p:cNvSpPr/>
+          <p:nvPr/>
+        </p:nvSpPr>
+        <p:spPr>
+          <a:xfrm>
+            <a:off x="1148646" y="2991546"/>
+            <a:ext cx="818445" cy="479777"/>
+          </a:xfrm>
+          <a:prstGeom prst="cube">
+            <a:avLst/>
+          </a:prstGeom>
+        </p:spPr>
+        <p:style>
+          <a:lnRef idx="1">
+            <a:schemeClr val="accent4"/>
+          </a:lnRef>
+          <a:fillRef idx="2">
+            <a:schemeClr val="accent4"/>
+          </a:fillRef>
+          <a:effectRef idx="1">
+            <a:schemeClr val="accent4"/>
+          </a:effectRef>
+          <a:fontRef idx="minor">
+            <a:schemeClr val="dk1"/>
+          </a:fontRef>
+        </p:style>
+        <p:txBody>
+          <a:bodyPr tIns="46800" bIns="46800" rtlCol="0" anchor="t" anchorCtr="0"/>
+          <a:lstStyle/>
+          <a:p>
+            <a:pPr algn="ctr"/>
+            <a:r>
+              <a:rPr lang="en-US" dirty="0" smtClean="0">
+                <a:latin typeface="Arial"/>
+                <a:cs typeface="Arial"/>
+              </a:rPr>
+              <a:t>1,5</a:t>
+            </a:r>
+            <a:endParaRPr lang="en-US" dirty="0">
+              <a:latin typeface="Arial"/>
+              <a:cs typeface="Arial"/>
+            </a:endParaRPr>
+          </a:p>
+        </p:txBody>
+      </p:sp>
+      <p:sp>
+        <p:nvSpPr>
+          <p:cNvPr id="7" name="Cube 6"/>
+          <p:cNvSpPr/>
+          <p:nvPr/>
+        </p:nvSpPr>
+        <p:spPr>
+          <a:xfrm>
+            <a:off x="1840092" y="2991546"/>
+            <a:ext cx="818445" cy="479777"/>
+          </a:xfrm>
+          <a:prstGeom prst="cube">
+            <a:avLst/>
+          </a:prstGeom>
+        </p:spPr>
+        <p:style>
+          <a:lnRef idx="1">
+            <a:schemeClr val="accent4"/>
+          </a:lnRef>
+          <a:fillRef idx="2">
+            <a:schemeClr val="accent4"/>
+          </a:fillRef>
+          <a:effectRef idx="1">
+            <a:schemeClr val="accent4"/>
+          </a:effectRef>
+          <a:fontRef idx="minor">
+            <a:schemeClr val="dk1"/>
+          </a:fontRef>
+        </p:style>
+        <p:txBody>
+          <a:bodyPr rtlCol="0" anchor="ctr"/>
+          <a:lstStyle/>
+          <a:p>
+            <a:pPr algn="ctr"/>
+            <a:r>
+              <a:rPr lang="en-US" dirty="0" smtClean="0">
+                <a:latin typeface="Arial"/>
+                <a:cs typeface="Arial"/>
+              </a:rPr>
+              <a:t>4,1</a:t>
+            </a:r>
+            <a:endParaRPr lang="en-US" dirty="0">
+              <a:latin typeface="Arial"/>
+              <a:cs typeface="Arial"/>
+            </a:endParaRPr>
+          </a:p>
+        </p:txBody>
+      </p:sp>
+      <p:sp>
+        <p:nvSpPr>
+          <p:cNvPr id="14" name="Cube 13"/>
+          <p:cNvSpPr/>
+          <p:nvPr/>
+        </p:nvSpPr>
+        <p:spPr>
+          <a:xfrm>
+            <a:off x="4986861" y="2991546"/>
+            <a:ext cx="818445" cy="479777"/>
+          </a:xfrm>
+          <a:prstGeom prst="cube">
+            <a:avLst/>
+          </a:prstGeom>
+        </p:spPr>
+        <p:style>
+          <a:lnRef idx="1">
+            <a:schemeClr val="accent6"/>
+          </a:lnRef>
+          <a:fillRef idx="2">
+            <a:schemeClr val="accent6"/>
+          </a:fillRef>
+          <a:effectRef idx="1">
+            <a:schemeClr val="accent6"/>
+          </a:effectRef>
+          <a:fontRef idx="minor">
+            <a:schemeClr val="dk1"/>
+          </a:fontRef>
+        </p:style>
+        <p:txBody>
+          <a:bodyPr rtlCol="0" anchor="ctr"/>
+          <a:lstStyle/>
+          <a:p>
+            <a:pPr algn="ctr"/>
+            <a:r>
+              <a:rPr lang="en-US" dirty="0" smtClean="0">
+                <a:latin typeface="Arial"/>
+                <a:cs typeface="Arial"/>
+              </a:rPr>
+              <a:t>3,5</a:t>
+            </a:r>
+            <a:endParaRPr lang="en-US" dirty="0">
+              <a:latin typeface="Arial"/>
+              <a:cs typeface="Arial"/>
+            </a:endParaRPr>
+          </a:p>
+        </p:txBody>
+      </p:sp>
+      <p:sp>
+        <p:nvSpPr>
+          <p:cNvPr id="13" name="Cube 12"/>
+          <p:cNvSpPr/>
+          <p:nvPr/>
+        </p:nvSpPr>
+        <p:spPr>
+          <a:xfrm>
+            <a:off x="5681129" y="2991546"/>
+            <a:ext cx="818445" cy="479777"/>
+          </a:xfrm>
+          <a:prstGeom prst="cube">
+            <a:avLst/>
+          </a:prstGeom>
+        </p:spPr>
+        <p:style>
+          <a:lnRef idx="1">
+            <a:schemeClr val="accent6"/>
+          </a:lnRef>
+          <a:fillRef idx="2">
+            <a:schemeClr val="accent6"/>
+          </a:fillRef>
+          <a:effectRef idx="1">
+            <a:schemeClr val="accent6"/>
+          </a:effectRef>
+          <a:fontRef idx="minor">
+            <a:schemeClr val="dk1"/>
+          </a:fontRef>
+        </p:style>
+        <p:txBody>
+          <a:bodyPr rtlCol="0" anchor="ctr"/>
+          <a:lstStyle/>
+          <a:p>
+            <a:pPr algn="ctr"/>
+            <a:r>
+              <a:rPr lang="en-US" dirty="0" smtClean="0">
+                <a:latin typeface="Arial"/>
+                <a:cs typeface="Arial"/>
+              </a:rPr>
+              <a:t>4,2</a:t>
+            </a:r>
+            <a:endParaRPr lang="en-US" dirty="0">
+              <a:latin typeface="Arial"/>
+              <a:cs typeface="Arial"/>
+            </a:endParaRPr>
+          </a:p>
+        </p:txBody>
+      </p:sp>
+      <p:sp>
+        <p:nvSpPr>
+          <p:cNvPr id="10" name="Cube 9"/>
+          <p:cNvSpPr/>
+          <p:nvPr/>
+        </p:nvSpPr>
+        <p:spPr>
+          <a:xfrm>
+            <a:off x="6372575" y="2991546"/>
+            <a:ext cx="818445" cy="479777"/>
+          </a:xfrm>
+          <a:prstGeom prst="cube">
+            <a:avLst/>
+          </a:prstGeom>
+        </p:spPr>
+        <p:style>
+          <a:lnRef idx="1">
+            <a:schemeClr val="accent6"/>
+          </a:lnRef>
+          <a:fillRef idx="2">
+            <a:schemeClr val="accent6"/>
+          </a:fillRef>
+          <a:effectRef idx="1">
+            <a:schemeClr val="accent6"/>
+          </a:effectRef>
+          <a:fontRef idx="minor">
+            <a:schemeClr val="dk1"/>
+          </a:fontRef>
+        </p:style>
+        <p:txBody>
+          <a:bodyPr rtlCol="0" anchor="ctr"/>
+          <a:lstStyle/>
+          <a:p>
+            <a:pPr algn="ctr"/>
+            <a:r>
+              <a:rPr lang="en-US" dirty="0" smtClean="0">
+                <a:latin typeface="Arial"/>
+                <a:cs typeface="Arial"/>
+              </a:rPr>
+              <a:t>2,4</a:t>
+            </a:r>
+            <a:endParaRPr lang="en-US" dirty="0">
+              <a:latin typeface="Arial"/>
+              <a:cs typeface="Arial"/>
+            </a:endParaRPr>
+          </a:p>
+        </p:txBody>
+      </p:sp>
+      <p:sp>
+        <p:nvSpPr>
+          <p:cNvPr id="12" name="Cube 11"/>
+          <p:cNvSpPr/>
+          <p:nvPr/>
+        </p:nvSpPr>
+        <p:spPr>
+          <a:xfrm>
+            <a:off x="7064021" y="2991546"/>
+            <a:ext cx="818445" cy="479777"/>
+          </a:xfrm>
+          <a:prstGeom prst="cube">
+            <a:avLst/>
+          </a:prstGeom>
+        </p:spPr>
+        <p:style>
+          <a:lnRef idx="1">
+            <a:schemeClr val="accent6"/>
+          </a:lnRef>
+          <a:fillRef idx="2">
+            <a:schemeClr val="accent6"/>
+          </a:fillRef>
+          <a:effectRef idx="1">
+            <a:schemeClr val="accent6"/>
+          </a:effectRef>
+          <a:fontRef idx="minor">
+            <a:schemeClr val="dk1"/>
+          </a:fontRef>
+        </p:style>
+        <p:txBody>
+          <a:bodyPr rtlCol="0" anchor="ctr"/>
+          <a:lstStyle/>
+          <a:p>
+            <a:pPr algn="ctr"/>
+            <a:r>
+              <a:rPr lang="en-US" dirty="0" smtClean="0">
+                <a:latin typeface="Arial"/>
+                <a:cs typeface="Arial"/>
+              </a:rPr>
+              <a:t>3,1</a:t>
+            </a:r>
+            <a:endParaRPr lang="en-US" dirty="0">
+              <a:latin typeface="Arial"/>
+              <a:cs typeface="Arial"/>
+            </a:endParaRPr>
+          </a:p>
+        </p:txBody>
+      </p:sp>
+      <p:sp>
+        <p:nvSpPr>
+          <p:cNvPr id="11" name="Cube 10"/>
+          <p:cNvSpPr/>
+          <p:nvPr/>
+        </p:nvSpPr>
+        <p:spPr>
+          <a:xfrm>
+            <a:off x="7755467" y="2991546"/>
+            <a:ext cx="818445" cy="479777"/>
+          </a:xfrm>
+          <a:prstGeom prst="cube">
+            <a:avLst/>
+          </a:prstGeom>
+        </p:spPr>
+        <p:style>
+          <a:lnRef idx="1">
+            <a:schemeClr val="accent6"/>
+          </a:lnRef>
+          <a:fillRef idx="2">
+            <a:schemeClr val="accent6"/>
+          </a:fillRef>
+          <a:effectRef idx="1">
+            <a:schemeClr val="accent6"/>
+          </a:effectRef>
+          <a:fontRef idx="minor">
+            <a:schemeClr val="dk1"/>
+          </a:fontRef>
+        </p:style>
+        <p:txBody>
+          <a:bodyPr rtlCol="0" anchor="ctr"/>
+          <a:lstStyle/>
+          <a:p>
+            <a:pPr algn="ctr"/>
+            <a:r>
+              <a:rPr lang="en-US" dirty="0" smtClean="0">
+                <a:latin typeface="Arial"/>
+                <a:cs typeface="Arial"/>
+              </a:rPr>
+              <a:t>1,2</a:t>
+            </a:r>
+            <a:endParaRPr lang="en-US" dirty="0">
+              <a:latin typeface="Arial"/>
+              <a:cs typeface="Arial"/>
+            </a:endParaRPr>
+          </a:p>
+        </p:txBody>
+      </p:sp>
+      <p:sp>
+        <p:nvSpPr>
+          <p:cNvPr id="16" name="Cube 15"/>
+          <p:cNvSpPr/>
+          <p:nvPr/>
+        </p:nvSpPr>
+        <p:spPr>
+          <a:xfrm>
+            <a:off x="454372" y="2991546"/>
+            <a:ext cx="818445" cy="479777"/>
+          </a:xfrm>
+          <a:prstGeom prst="cube">
+            <a:avLst/>
+          </a:prstGeom>
+        </p:spPr>
+        <p:style>
+          <a:lnRef idx="1">
+            <a:schemeClr val="accent4"/>
+          </a:lnRef>
+          <a:fillRef idx="2">
+            <a:schemeClr val="accent4"/>
+          </a:fillRef>
+          <a:effectRef idx="1">
+            <a:schemeClr val="accent4"/>
+          </a:effectRef>
+          <a:fontRef idx="minor">
+            <a:schemeClr val="dk1"/>
+          </a:fontRef>
+        </p:style>
+        <p:txBody>
+          <a:bodyPr rtlCol="0" anchor="ctr"/>
+          <a:lstStyle/>
+          <a:p>
+            <a:pPr algn="ctr"/>
+            <a:r>
+              <a:rPr lang="en-US" dirty="0" smtClean="0">
+                <a:latin typeface="Arial"/>
+                <a:cs typeface="Arial"/>
+              </a:rPr>
+              <a:t>2,3</a:t>
+            </a:r>
+            <a:endParaRPr lang="en-US" dirty="0">
+              <a:latin typeface="Arial"/>
+              <a:cs typeface="Arial"/>
+            </a:endParaRPr>
+          </a:p>
+        </p:txBody>
+      </p:sp>
+      <p:sp>
+        <p:nvSpPr>
+          <p:cNvPr id="17" name="Cube 16"/>
+          <p:cNvSpPr/>
+          <p:nvPr/>
+        </p:nvSpPr>
+        <p:spPr>
+          <a:xfrm>
+            <a:off x="1145818" y="2991546"/>
+            <a:ext cx="818445" cy="479777"/>
+          </a:xfrm>
+          <a:prstGeom prst="cube">
+            <a:avLst/>
+          </a:prstGeom>
+        </p:spPr>
+        <p:style>
+          <a:lnRef idx="1">
+            <a:schemeClr val="accent4"/>
+          </a:lnRef>
+          <a:fillRef idx="2">
+            <a:schemeClr val="accent4"/>
+          </a:fillRef>
+          <a:effectRef idx="1">
+            <a:schemeClr val="accent4"/>
+          </a:effectRef>
+          <a:fontRef idx="minor">
+            <a:schemeClr val="dk1"/>
+          </a:fontRef>
+        </p:style>
+        <p:txBody>
+          <a:bodyPr tIns="46800" bIns="46800" rtlCol="0" anchor="t" anchorCtr="0"/>
+          <a:lstStyle/>
+          <a:p>
+            <a:pPr algn="ctr"/>
+            <a:r>
+              <a:rPr lang="en-US" dirty="0" smtClean="0">
+                <a:latin typeface="Arial"/>
+                <a:cs typeface="Arial"/>
+              </a:rPr>
+              <a:t>1,5</a:t>
+            </a:r>
+            <a:endParaRPr lang="en-US" dirty="0">
+              <a:latin typeface="Arial"/>
+              <a:cs typeface="Arial"/>
+            </a:endParaRPr>
+          </a:p>
+        </p:txBody>
+      </p:sp>
+      <p:sp>
+        <p:nvSpPr>
+          <p:cNvPr id="18" name="Cube 17"/>
+          <p:cNvSpPr/>
+          <p:nvPr/>
+        </p:nvSpPr>
+        <p:spPr>
+          <a:xfrm>
+            <a:off x="1840092" y="2991546"/>
+            <a:ext cx="818445" cy="479777"/>
+          </a:xfrm>
+          <a:prstGeom prst="cube">
+            <a:avLst/>
+          </a:prstGeom>
+        </p:spPr>
+        <p:style>
+          <a:lnRef idx="1">
+            <a:schemeClr val="accent4"/>
+          </a:lnRef>
+          <a:fillRef idx="2">
+            <a:schemeClr val="accent4"/>
+          </a:fillRef>
+          <a:effectRef idx="1">
+            <a:schemeClr val="accent4"/>
+          </a:effectRef>
+          <a:fontRef idx="minor">
+            <a:schemeClr val="dk1"/>
+          </a:fontRef>
+        </p:style>
+        <p:txBody>
+          <a:bodyPr rtlCol="0" anchor="ctr"/>
+          <a:lstStyle/>
+          <a:p>
+            <a:pPr algn="ctr"/>
+            <a:r>
+              <a:rPr lang="en-US" dirty="0" smtClean="0">
+                <a:latin typeface="Arial"/>
+                <a:cs typeface="Arial"/>
+              </a:rPr>
+              <a:t>4,1</a:t>
+            </a:r>
+            <a:endParaRPr lang="en-US" dirty="0">
+              <a:latin typeface="Arial"/>
+              <a:cs typeface="Arial"/>
+            </a:endParaRPr>
+          </a:p>
+        </p:txBody>
+      </p:sp>
+      <p:sp>
+        <p:nvSpPr>
+          <p:cNvPr id="15" name="Cube 14"/>
+          <p:cNvSpPr/>
+          <p:nvPr/>
+        </p:nvSpPr>
+        <p:spPr>
+          <a:xfrm>
+            <a:off x="2531538" y="2991546"/>
+            <a:ext cx="818445" cy="479777"/>
+          </a:xfrm>
+          <a:prstGeom prst="cube">
+            <a:avLst/>
+          </a:prstGeom>
+        </p:spPr>
+        <p:style>
+          <a:lnRef idx="1">
+            <a:schemeClr val="accent4"/>
+          </a:lnRef>
+          <a:fillRef idx="2">
+            <a:schemeClr val="accent4"/>
+          </a:fillRef>
+          <a:effectRef idx="1">
+            <a:schemeClr val="accent4"/>
+          </a:effectRef>
+          <a:fontRef idx="minor">
+            <a:schemeClr val="dk1"/>
+          </a:fontRef>
+        </p:style>
+        <p:txBody>
+          <a:bodyPr rtlCol="0" anchor="ctr"/>
+          <a:lstStyle/>
+          <a:p>
+            <a:pPr algn="ctr"/>
+            <a:r>
+              <a:rPr lang="en-US" dirty="0" smtClean="0">
+                <a:latin typeface="Arial"/>
+                <a:cs typeface="Arial"/>
+              </a:rPr>
+              <a:t>5,1</a:t>
+            </a:r>
+            <a:endParaRPr lang="en-US" dirty="0">
+              <a:latin typeface="Arial"/>
+              <a:cs typeface="Arial"/>
+            </a:endParaRPr>
+          </a:p>
+        </p:txBody>
+      </p:sp>
+      <p:sp>
+        <p:nvSpPr>
+          <p:cNvPr id="9" name="Cube 8"/>
+          <p:cNvSpPr/>
+          <p:nvPr/>
+        </p:nvSpPr>
+        <p:spPr>
+          <a:xfrm>
+            <a:off x="3222984" y="2991546"/>
+            <a:ext cx="818445" cy="479777"/>
+          </a:xfrm>
+          <a:prstGeom prst="cube">
+            <a:avLst/>
+          </a:prstGeom>
+        </p:spPr>
+        <p:style>
+          <a:lnRef idx="1">
+            <a:schemeClr val="accent4"/>
+          </a:lnRef>
+          <a:fillRef idx="2">
+            <a:schemeClr val="accent4"/>
+          </a:fillRef>
+          <a:effectRef idx="1">
+            <a:schemeClr val="accent4"/>
+          </a:effectRef>
+          <a:fontRef idx="minor">
+            <a:schemeClr val="dk1"/>
+          </a:fontRef>
+        </p:style>
+        <p:txBody>
+          <a:bodyPr rtlCol="0" anchor="ctr"/>
+          <a:lstStyle/>
+          <a:p>
+            <a:pPr algn="ctr"/>
+            <a:r>
+              <a:rPr lang="en-US" dirty="0" smtClean="0">
+                <a:latin typeface="Arial"/>
+                <a:cs typeface="Arial"/>
+              </a:rPr>
+              <a:t>3,4</a:t>
+            </a:r>
+            <a:endParaRPr lang="en-US" dirty="0">
+              <a:latin typeface="Arial"/>
+              <a:cs typeface="Arial"/>
+            </a:endParaRPr>
+          </a:p>
+        </p:txBody>
+      </p:sp>
+      <p:sp>
+        <p:nvSpPr>
+          <p:cNvPr id="23" name="Cube 22"/>
+          <p:cNvSpPr/>
+          <p:nvPr/>
+        </p:nvSpPr>
+        <p:spPr>
+          <a:xfrm>
+            <a:off x="4984040" y="3002836"/>
+            <a:ext cx="818445" cy="479777"/>
+          </a:xfrm>
+          <a:prstGeom prst="cube">
+            <a:avLst/>
+          </a:prstGeom>
+        </p:spPr>
+        <p:style>
+          <a:lnRef idx="1">
+            <a:schemeClr val="accent6"/>
+          </a:lnRef>
+          <a:fillRef idx="2">
+            <a:schemeClr val="accent6"/>
+          </a:fillRef>
+          <a:effectRef idx="1">
+            <a:schemeClr val="accent6"/>
+          </a:effectRef>
+          <a:fontRef idx="minor">
+            <a:schemeClr val="dk1"/>
+          </a:fontRef>
+        </p:style>
+        <p:txBody>
+          <a:bodyPr rtlCol="0" anchor="ctr"/>
+          <a:lstStyle/>
+          <a:p>
+            <a:pPr algn="ctr"/>
+            <a:r>
+              <a:rPr lang="en-US" dirty="0" smtClean="0">
+                <a:latin typeface="Arial"/>
+                <a:cs typeface="Arial"/>
+              </a:rPr>
+              <a:t>3,5</a:t>
+            </a:r>
+            <a:endParaRPr lang="en-US" dirty="0">
+              <a:latin typeface="Arial"/>
+              <a:cs typeface="Arial"/>
+            </a:endParaRPr>
+          </a:p>
+        </p:txBody>
+      </p:sp>
+      <p:sp>
+        <p:nvSpPr>
+          <p:cNvPr id="24" name="Cube 23"/>
+          <p:cNvSpPr/>
+          <p:nvPr/>
+        </p:nvSpPr>
+        <p:spPr>
+          <a:xfrm>
+            <a:off x="5678308" y="3002836"/>
+            <a:ext cx="818445" cy="479777"/>
+          </a:xfrm>
+          <a:prstGeom prst="cube">
+            <a:avLst/>
+          </a:prstGeom>
+        </p:spPr>
+        <p:style>
+          <a:lnRef idx="1">
+            <a:schemeClr val="accent6"/>
+          </a:lnRef>
+          <a:fillRef idx="2">
+            <a:schemeClr val="accent6"/>
+          </a:fillRef>
+          <a:effectRef idx="1">
+            <a:schemeClr val="accent6"/>
+          </a:effectRef>
+          <a:fontRef idx="minor">
+            <a:schemeClr val="dk1"/>
+          </a:fontRef>
+        </p:style>
+        <p:txBody>
+          <a:bodyPr rtlCol="0" anchor="ctr"/>
+          <a:lstStyle/>
+          <a:p>
+            <a:pPr algn="ctr"/>
+            <a:r>
+              <a:rPr lang="en-US" dirty="0" smtClean="0">
+                <a:latin typeface="Arial"/>
+                <a:cs typeface="Arial"/>
+              </a:rPr>
+              <a:t>4,2</a:t>
+            </a:r>
+            <a:endParaRPr lang="en-US" dirty="0">
+              <a:latin typeface="Arial"/>
+              <a:cs typeface="Arial"/>
+            </a:endParaRPr>
+          </a:p>
+        </p:txBody>
+      </p:sp>
+      <p:sp>
+        <p:nvSpPr>
+          <p:cNvPr id="25" name="Cube 24"/>
+          <p:cNvSpPr/>
+          <p:nvPr/>
+        </p:nvSpPr>
+        <p:spPr>
+          <a:xfrm>
+            <a:off x="6369754" y="3002836"/>
+            <a:ext cx="818445" cy="479777"/>
+          </a:xfrm>
+          <a:prstGeom prst="cube">
+            <a:avLst/>
+          </a:prstGeom>
+        </p:spPr>
+        <p:style>
+          <a:lnRef idx="1">
+            <a:schemeClr val="accent6"/>
+          </a:lnRef>
+          <a:fillRef idx="2">
+            <a:schemeClr val="accent6"/>
+          </a:fillRef>
+          <a:effectRef idx="1">
+            <a:schemeClr val="accent6"/>
+          </a:effectRef>
+          <a:fontRef idx="minor">
+            <a:schemeClr val="dk1"/>
+          </a:fontRef>
+        </p:style>
+        <p:txBody>
+          <a:bodyPr rtlCol="0" anchor="ctr"/>
+          <a:lstStyle/>
+          <a:p>
+            <a:pPr algn="ctr"/>
+            <a:r>
+              <a:rPr lang="en-US" dirty="0" smtClean="0">
+                <a:latin typeface="Arial"/>
+                <a:cs typeface="Arial"/>
+              </a:rPr>
+              <a:t>2,4</a:t>
+            </a:r>
+            <a:endParaRPr lang="en-US" dirty="0">
+              <a:latin typeface="Arial"/>
+              <a:cs typeface="Arial"/>
+            </a:endParaRPr>
+          </a:p>
+        </p:txBody>
+      </p:sp>
+      <p:sp>
+        <p:nvSpPr>
+          <p:cNvPr id="26" name="Cube 25"/>
+          <p:cNvSpPr/>
+          <p:nvPr/>
+        </p:nvSpPr>
+        <p:spPr>
+          <a:xfrm>
+            <a:off x="7061200" y="3002836"/>
+            <a:ext cx="818445" cy="479777"/>
+          </a:xfrm>
+          <a:prstGeom prst="cube">
+            <a:avLst/>
+          </a:prstGeom>
+        </p:spPr>
+        <p:style>
+          <a:lnRef idx="1">
+            <a:schemeClr val="accent6"/>
+          </a:lnRef>
+          <a:fillRef idx="2">
+            <a:schemeClr val="accent6"/>
+          </a:fillRef>
+          <a:effectRef idx="1">
+            <a:schemeClr val="accent6"/>
+          </a:effectRef>
+          <a:fontRef idx="minor">
+            <a:schemeClr val="dk1"/>
+          </a:fontRef>
+        </p:style>
+        <p:txBody>
+          <a:bodyPr rtlCol="0" anchor="ctr"/>
+          <a:lstStyle/>
+          <a:p>
+            <a:pPr algn="ctr"/>
+            <a:r>
+              <a:rPr lang="en-US" dirty="0" smtClean="0">
+                <a:latin typeface="Arial"/>
+                <a:cs typeface="Arial"/>
+              </a:rPr>
+              <a:t>3,1</a:t>
+            </a:r>
+            <a:endParaRPr lang="en-US" dirty="0">
+              <a:latin typeface="Arial"/>
+              <a:cs typeface="Arial"/>
+            </a:endParaRPr>
+          </a:p>
+        </p:txBody>
+      </p:sp>
+      <p:sp>
+        <p:nvSpPr>
+          <p:cNvPr id="27" name="Cube 26"/>
+          <p:cNvSpPr/>
+          <p:nvPr/>
+        </p:nvSpPr>
+        <p:spPr>
+          <a:xfrm>
+            <a:off x="7752646" y="3002836"/>
+            <a:ext cx="818445" cy="479777"/>
+          </a:xfrm>
+          <a:prstGeom prst="cube">
+            <a:avLst/>
+          </a:prstGeom>
+        </p:spPr>
+        <p:style>
+          <a:lnRef idx="1">
+            <a:schemeClr val="accent6"/>
+          </a:lnRef>
+          <a:fillRef idx="2">
+            <a:schemeClr val="accent6"/>
+          </a:fillRef>
+          <a:effectRef idx="1">
+            <a:schemeClr val="accent6"/>
+          </a:effectRef>
+          <a:fontRef idx="minor">
+            <a:schemeClr val="dk1"/>
+          </a:fontRef>
+        </p:style>
+        <p:txBody>
+          <a:bodyPr rtlCol="0" anchor="ctr"/>
+          <a:lstStyle/>
+          <a:p>
+            <a:pPr algn="ctr"/>
+            <a:r>
+              <a:rPr lang="en-US" dirty="0" smtClean="0">
+                <a:latin typeface="Arial"/>
+                <a:cs typeface="Arial"/>
+              </a:rPr>
+              <a:t>1,2</a:t>
+            </a:r>
+            <a:endParaRPr lang="en-US" dirty="0">
+              <a:latin typeface="Arial"/>
+              <a:cs typeface="Arial"/>
+            </a:endParaRPr>
+          </a:p>
+        </p:txBody>
+      </p:sp>
+      <p:sp>
+        <p:nvSpPr>
+          <p:cNvPr id="28" name="TextBox 27"/>
+          <p:cNvSpPr txBox="1"/>
+          <p:nvPr/>
+        </p:nvSpPr>
+        <p:spPr>
+          <a:xfrm>
+            <a:off x="3953942" y="2409529"/>
+            <a:ext cx="1197764" cy="400110"/>
+          </a:xfrm>
+          <a:prstGeom prst="rect">
+            <a:avLst/>
+          </a:prstGeom>
+          <a:noFill/>
+        </p:spPr>
+        <p:txBody>
+          <a:bodyPr wrap="none" rtlCol="0">
+            <a:spAutoFit/>
+          </a:bodyPr>
+          <a:lstStyle/>
+          <a:p>
+            <a:r>
+              <a:rPr lang="en-US" sz="2000" dirty="0" smtClean="0">
+                <a:latin typeface="Arial"/>
+                <a:cs typeface="Arial"/>
+              </a:rPr>
+              <a:t>STARŠA</a:t>
+            </a:r>
+            <a:endParaRPr lang="en-US" sz="2000" dirty="0">
+              <a:latin typeface="Arial"/>
+              <a:cs typeface="Arial"/>
+            </a:endParaRPr>
+          </a:p>
+        </p:txBody>
+      </p:sp>
+      <p:sp>
+        <p:nvSpPr>
+          <p:cNvPr id="29" name="TextBox 28"/>
+          <p:cNvSpPr txBox="1"/>
+          <p:nvPr/>
+        </p:nvSpPr>
+        <p:spPr>
+          <a:xfrm>
+            <a:off x="3781779" y="4454109"/>
+            <a:ext cx="1479892" cy="400110"/>
+          </a:xfrm>
+          <a:prstGeom prst="rect">
+            <a:avLst/>
+          </a:prstGeom>
+          <a:noFill/>
+        </p:spPr>
+        <p:txBody>
+          <a:bodyPr wrap="none" rtlCol="0">
+            <a:spAutoFit/>
+          </a:bodyPr>
+          <a:lstStyle/>
+          <a:p>
+            <a:r>
+              <a:rPr lang="en-US" sz="2000" dirty="0" smtClean="0">
+                <a:latin typeface="Arial"/>
+                <a:cs typeface="Arial"/>
+              </a:rPr>
+              <a:t>POTOMCA</a:t>
+            </a:r>
+            <a:endParaRPr lang="en-US" sz="2000" dirty="0">
+              <a:latin typeface="Arial"/>
+              <a:cs typeface="Arial"/>
+            </a:endParaRPr>
+          </a:p>
+        </p:txBody>
+      </p:sp>
+      <p:sp>
+        <p:nvSpPr>
+          <p:cNvPr id="30" name="Cube 29"/>
+          <p:cNvSpPr/>
+          <p:nvPr/>
+        </p:nvSpPr>
+        <p:spPr>
+          <a:xfrm>
+            <a:off x="6369754" y="5554124"/>
+            <a:ext cx="818445" cy="479777"/>
+          </a:xfrm>
+          <a:prstGeom prst="cube">
+            <a:avLst/>
+          </a:prstGeom>
+        </p:spPr>
+        <p:style>
+          <a:lnRef idx="1">
+            <a:schemeClr val="accent1"/>
+          </a:lnRef>
+          <a:fillRef idx="2">
+            <a:schemeClr val="accent1"/>
+          </a:fillRef>
+          <a:effectRef idx="1">
+            <a:schemeClr val="accent1"/>
+          </a:effectRef>
+          <a:fontRef idx="minor">
+            <a:schemeClr val="dk1"/>
+          </a:fontRef>
+        </p:style>
+        <p:txBody>
+          <a:bodyPr rtlCol="0" anchor="ctr"/>
+          <a:lstStyle/>
+          <a:p>
+            <a:pPr algn="ctr"/>
+            <a:r>
+              <a:rPr lang="en-US" dirty="0" smtClean="0">
+                <a:latin typeface="Arial"/>
+                <a:cs typeface="Arial"/>
+              </a:rPr>
+              <a:t>5,4</a:t>
+            </a:r>
+            <a:endParaRPr lang="en-US" dirty="0">
+              <a:latin typeface="Arial"/>
+              <a:cs typeface="Arial"/>
+            </a:endParaRPr>
+          </a:p>
+        </p:txBody>
+      </p:sp>
+      <p:sp>
+        <p:nvSpPr>
+          <p:cNvPr id="21" name="Cube 20"/>
+          <p:cNvSpPr/>
+          <p:nvPr/>
+        </p:nvSpPr>
+        <p:spPr>
+          <a:xfrm>
+            <a:off x="2514606" y="2988725"/>
+            <a:ext cx="818445" cy="479777"/>
+          </a:xfrm>
+          <a:prstGeom prst="cube">
+            <a:avLst/>
+          </a:prstGeom>
+        </p:spPr>
+        <p:style>
+          <a:lnRef idx="1">
+            <a:schemeClr val="accent4"/>
+          </a:lnRef>
+          <a:fillRef idx="2">
+            <a:schemeClr val="accent4"/>
+          </a:fillRef>
+          <a:effectRef idx="1">
+            <a:schemeClr val="accent4"/>
+          </a:effectRef>
+          <a:fontRef idx="minor">
+            <a:schemeClr val="dk1"/>
+          </a:fontRef>
+        </p:style>
+        <p:txBody>
+          <a:bodyPr rtlCol="0" anchor="ctr"/>
+          <a:lstStyle/>
+          <a:p>
+            <a:pPr algn="ctr"/>
+            <a:r>
+              <a:rPr lang="en-US" dirty="0" smtClean="0">
+                <a:latin typeface="Arial"/>
+                <a:cs typeface="Arial"/>
+              </a:rPr>
+              <a:t>5,1</a:t>
+            </a:r>
+            <a:endParaRPr lang="en-US" dirty="0">
+              <a:latin typeface="Arial"/>
+              <a:cs typeface="Arial"/>
+            </a:endParaRPr>
+          </a:p>
+        </p:txBody>
+      </p:sp>
+      <p:sp>
+        <p:nvSpPr>
+          <p:cNvPr id="22" name="Cube 21"/>
+          <p:cNvSpPr/>
+          <p:nvPr/>
+        </p:nvSpPr>
+        <p:spPr>
+          <a:xfrm>
+            <a:off x="3206052" y="2988725"/>
+            <a:ext cx="818445" cy="479777"/>
+          </a:xfrm>
+          <a:prstGeom prst="cube">
+            <a:avLst/>
+          </a:prstGeom>
+        </p:spPr>
+        <p:style>
+          <a:lnRef idx="1">
+            <a:schemeClr val="accent4"/>
+          </a:lnRef>
+          <a:fillRef idx="2">
+            <a:schemeClr val="accent4"/>
+          </a:fillRef>
+          <a:effectRef idx="1">
+            <a:schemeClr val="accent4"/>
+          </a:effectRef>
+          <a:fontRef idx="minor">
+            <a:schemeClr val="dk1"/>
+          </a:fontRef>
+        </p:style>
+        <p:txBody>
+          <a:bodyPr rtlCol="0" anchor="ctr"/>
+          <a:lstStyle/>
+          <a:p>
+            <a:pPr algn="ctr"/>
+            <a:r>
+              <a:rPr lang="en-US" dirty="0" smtClean="0">
+                <a:latin typeface="Arial"/>
+                <a:cs typeface="Arial"/>
+              </a:rPr>
+              <a:t>3,4</a:t>
+            </a:r>
+            <a:endParaRPr lang="en-US" dirty="0">
+              <a:latin typeface="Arial"/>
+              <a:cs typeface="Arial"/>
+            </a:endParaRPr>
           </a:p>
         </p:txBody>
       </p:sp>
@@ -3871,6 +5149,490 @@
   <p:clrMapOvr>
     <a:masterClrMapping/>
   </p:clrMapOvr>
+  <p:timing>
+    <p:tnLst>
+      <p:par>
+        <p:cTn xmlns:p14="http://schemas.microsoft.com/office/powerpoint/2010/main" id="1" dur="indefinite" restart="never" nodeType="tmRoot">
+          <p:childTnLst>
+            <p:seq concurrent="1" nextAc="seek">
+              <p:cTn id="2" dur="indefinite" nodeType="mainSeq">
+                <p:childTnLst>
+                  <p:par>
+                    <p:cTn id="3" fill="hold">
+                      <p:stCondLst>
+                        <p:cond delay="indefinite"/>
+                      </p:stCondLst>
+                      <p:childTnLst>
+                        <p:par>
+                          <p:cTn id="4" fill="hold">
+                            <p:stCondLst>
+                              <p:cond delay="0"/>
+                            </p:stCondLst>
+                            <p:childTnLst>
+                              <p:par>
+                                <p:cTn id="5" presetID="1" presetClass="entr" presetSubtype="0" fill="hold" grpId="0" nodeType="clickEffect">
+                                  <p:stCondLst>
+                                    <p:cond delay="0"/>
+                                  </p:stCondLst>
+                                  <p:childTnLst>
+                                    <p:set>
+                                      <p:cBhvr>
+                                        <p:cTn id="6" dur="1" fill="hold">
+                                          <p:stCondLst>
+                                            <p:cond delay="0"/>
+                                          </p:stCondLst>
+                                        </p:cTn>
+                                        <p:tgtEl>
+                                          <p:spTgt spid="29"/>
+                                        </p:tgtEl>
+                                        <p:attrNameLst>
+                                          <p:attrName>style.visibility</p:attrName>
+                                        </p:attrNameLst>
+                                      </p:cBhvr>
+                                      <p:to>
+                                        <p:strVal val="visible"/>
+                                      </p:to>
+                                    </p:set>
+                                  </p:childTnLst>
+                                </p:cTn>
+                              </p:par>
+                              <p:par>
+                                <p:cTn id="7" presetID="0" presetClass="path" presetSubtype="0" accel="50000" decel="50000" fill="hold" grpId="0" nodeType="withEffect">
+                                  <p:stCondLst>
+                                    <p:cond delay="0"/>
+                                  </p:stCondLst>
+                                  <p:childTnLst>
+                                    <p:animMotion origin="layout" path="M -4.44444E-6 -1.85185E-6 L -4.44444E-6 0.11551 " pathEditMode="relative" rAng="0" ptsTypes="AA">
+                                      <p:cBhvr>
+                                        <p:cTn id="8" dur="2000" fill="hold"/>
+                                        <p:tgtEl>
+                                          <p:spTgt spid="16"/>
+                                        </p:tgtEl>
+                                        <p:attrNameLst>
+                                          <p:attrName>ppt_x</p:attrName>
+                                          <p:attrName>ppt_y</p:attrName>
+                                        </p:attrNameLst>
+                                      </p:cBhvr>
+                                      <p:rCtr x="0" y="5764"/>
+                                    </p:animMotion>
+                                  </p:childTnLst>
+                                </p:cTn>
+                              </p:par>
+                              <p:par>
+                                <p:cTn id="9" presetID="0" presetClass="path" presetSubtype="0" accel="50000" decel="50000" fill="hold" grpId="0" nodeType="withEffect">
+                                  <p:stCondLst>
+                                    <p:cond delay="0"/>
+                                  </p:stCondLst>
+                                  <p:childTnLst>
+                                    <p:animMotion origin="layout" path="M 4.72222E-6 -1.85185E-6 L 4.72222E-6 0.11551 " pathEditMode="relative" rAng="0" ptsTypes="AA">
+                                      <p:cBhvr>
+                                        <p:cTn id="10" dur="2000" fill="hold"/>
+                                        <p:tgtEl>
+                                          <p:spTgt spid="17"/>
+                                        </p:tgtEl>
+                                        <p:attrNameLst>
+                                          <p:attrName>ppt_x</p:attrName>
+                                          <p:attrName>ppt_y</p:attrName>
+                                        </p:attrNameLst>
+                                      </p:cBhvr>
+                                      <p:rCtr x="0" y="5764"/>
+                                    </p:animMotion>
+                                  </p:childTnLst>
+                                </p:cTn>
+                              </p:par>
+                              <p:par>
+                                <p:cTn id="11" presetID="0" presetClass="path" presetSubtype="0" accel="50000" decel="50000" fill="hold" grpId="0" nodeType="withEffect">
+                                  <p:stCondLst>
+                                    <p:cond delay="0"/>
+                                  </p:stCondLst>
+                                  <p:childTnLst>
+                                    <p:animMotion origin="layout" path="M 3.05556E-6 -1.85185E-6 L 3.05556E-6 0.11551 " pathEditMode="relative" rAng="0" ptsTypes="AA">
+                                      <p:cBhvr>
+                                        <p:cTn id="12" dur="2000" fill="hold"/>
+                                        <p:tgtEl>
+                                          <p:spTgt spid="18"/>
+                                        </p:tgtEl>
+                                        <p:attrNameLst>
+                                          <p:attrName>ppt_x</p:attrName>
+                                          <p:attrName>ppt_y</p:attrName>
+                                        </p:attrNameLst>
+                                      </p:cBhvr>
+                                      <p:rCtr x="0" y="5764"/>
+                                    </p:animMotion>
+                                  </p:childTnLst>
+                                </p:cTn>
+                              </p:par>
+                              <p:par>
+                                <p:cTn id="13" presetID="1" presetClass="entr" presetSubtype="0" fill="hold" grpId="0" nodeType="withEffect">
+                                  <p:stCondLst>
+                                    <p:cond delay="0"/>
+                                  </p:stCondLst>
+                                  <p:childTnLst>
+                                    <p:set>
+                                      <p:cBhvr>
+                                        <p:cTn id="14" dur="1" fill="hold">
+                                          <p:stCondLst>
+                                            <p:cond delay="0"/>
+                                          </p:stCondLst>
+                                        </p:cTn>
+                                        <p:tgtEl>
+                                          <p:spTgt spid="4"/>
+                                        </p:tgtEl>
+                                        <p:attrNameLst>
+                                          <p:attrName>style.visibility</p:attrName>
+                                        </p:attrNameLst>
+                                      </p:cBhvr>
+                                      <p:to>
+                                        <p:strVal val="visible"/>
+                                      </p:to>
+                                    </p:set>
+                                  </p:childTnLst>
+                                </p:cTn>
+                              </p:par>
+                              <p:par>
+                                <p:cTn id="15" presetID="1" presetClass="entr" presetSubtype="0" fill="hold" grpId="0" nodeType="withEffect">
+                                  <p:stCondLst>
+                                    <p:cond delay="0"/>
+                                  </p:stCondLst>
+                                  <p:childTnLst>
+                                    <p:set>
+                                      <p:cBhvr>
+                                        <p:cTn id="16" dur="1" fill="hold">
+                                          <p:stCondLst>
+                                            <p:cond delay="0"/>
+                                          </p:stCondLst>
+                                        </p:cTn>
+                                        <p:tgtEl>
+                                          <p:spTgt spid="5"/>
+                                        </p:tgtEl>
+                                        <p:attrNameLst>
+                                          <p:attrName>style.visibility</p:attrName>
+                                        </p:attrNameLst>
+                                      </p:cBhvr>
+                                      <p:to>
+                                        <p:strVal val="visible"/>
+                                      </p:to>
+                                    </p:set>
+                                  </p:childTnLst>
+                                </p:cTn>
+                              </p:par>
+                              <p:par>
+                                <p:cTn id="17" presetID="1" presetClass="entr" presetSubtype="0" fill="hold" grpId="0" nodeType="withEffect">
+                                  <p:stCondLst>
+                                    <p:cond delay="0"/>
+                                  </p:stCondLst>
+                                  <p:childTnLst>
+                                    <p:set>
+                                      <p:cBhvr>
+                                        <p:cTn id="18" dur="1" fill="hold">
+                                          <p:stCondLst>
+                                            <p:cond delay="0"/>
+                                          </p:stCondLst>
+                                        </p:cTn>
+                                        <p:tgtEl>
+                                          <p:spTgt spid="7"/>
+                                        </p:tgtEl>
+                                        <p:attrNameLst>
+                                          <p:attrName>style.visibility</p:attrName>
+                                        </p:attrNameLst>
+                                      </p:cBhvr>
+                                      <p:to>
+                                        <p:strVal val="visible"/>
+                                      </p:to>
+                                    </p:set>
+                                  </p:childTnLst>
+                                </p:cTn>
+                              </p:par>
+                              <p:par>
+                                <p:cTn id="19" presetID="0" presetClass="path" presetSubtype="0" accel="50000" decel="50000" fill="hold" grpId="0" nodeType="withEffect">
+                                  <p:stCondLst>
+                                    <p:cond delay="0"/>
+                                  </p:stCondLst>
+                                  <p:childTnLst>
+                                    <p:animMotion origin="layout" path="M 3.05556E-6 -1.85185E-6 L 3.05556E-6 0.11736 " pathEditMode="relative" rAng="0" ptsTypes="AA">
+                                      <p:cBhvr>
+                                        <p:cTn id="20" dur="2000" fill="hold"/>
+                                        <p:tgtEl>
+                                          <p:spTgt spid="23"/>
+                                        </p:tgtEl>
+                                        <p:attrNameLst>
+                                          <p:attrName>ppt_x</p:attrName>
+                                          <p:attrName>ppt_y</p:attrName>
+                                        </p:attrNameLst>
+                                      </p:cBhvr>
+                                      <p:rCtr x="0" y="5856"/>
+                                    </p:animMotion>
+                                  </p:childTnLst>
+                                </p:cTn>
+                              </p:par>
+                              <p:par>
+                                <p:cTn id="21" presetID="0" presetClass="path" presetSubtype="0" accel="50000" decel="50000" fill="hold" grpId="0" nodeType="withEffect">
+                                  <p:stCondLst>
+                                    <p:cond delay="0"/>
+                                  </p:stCondLst>
+                                  <p:childTnLst>
+                                    <p:animMotion origin="layout" path="M 0 0 L 0 0.11736 " pathEditMode="relative" ptsTypes="AA">
+                                      <p:cBhvr>
+                                        <p:cTn id="22" dur="2000" fill="hold"/>
+                                        <p:tgtEl>
+                                          <p:spTgt spid="24"/>
+                                        </p:tgtEl>
+                                        <p:attrNameLst>
+                                          <p:attrName>ppt_x</p:attrName>
+                                          <p:attrName>ppt_y</p:attrName>
+                                        </p:attrNameLst>
+                                      </p:cBhvr>
+                                    </p:animMotion>
+                                  </p:childTnLst>
+                                </p:cTn>
+                              </p:par>
+                              <p:par>
+                                <p:cTn id="23" presetID="0" presetClass="path" presetSubtype="0" accel="50000" decel="50000" fill="hold" grpId="0" nodeType="withEffect">
+                                  <p:stCondLst>
+                                    <p:cond delay="0"/>
+                                  </p:stCondLst>
+                                  <p:childTnLst>
+                                    <p:animMotion origin="layout" path="M 0 0 L 0 0.11736 " pathEditMode="relative" ptsTypes="AA">
+                                      <p:cBhvr>
+                                        <p:cTn id="24" dur="2000" fill="hold"/>
+                                        <p:tgtEl>
+                                          <p:spTgt spid="25"/>
+                                        </p:tgtEl>
+                                        <p:attrNameLst>
+                                          <p:attrName>ppt_x</p:attrName>
+                                          <p:attrName>ppt_y</p:attrName>
+                                        </p:attrNameLst>
+                                      </p:cBhvr>
+                                    </p:animMotion>
+                                  </p:childTnLst>
+                                </p:cTn>
+                              </p:par>
+                            </p:childTnLst>
+                          </p:cTn>
+                        </p:par>
+                      </p:childTnLst>
+                    </p:cTn>
+                  </p:par>
+                  <p:par>
+                    <p:cTn id="25" fill="hold">
+                      <p:stCondLst>
+                        <p:cond delay="indefinite"/>
+                      </p:stCondLst>
+                      <p:childTnLst>
+                        <p:par>
+                          <p:cTn id="26" fill="hold">
+                            <p:stCondLst>
+                              <p:cond delay="0"/>
+                            </p:stCondLst>
+                            <p:childTnLst>
+                              <p:par>
+                                <p:cTn id="27" presetID="0" presetClass="path" presetSubtype="0" accel="50000" decel="50000" fill="hold" grpId="0" nodeType="clickEffect">
+                                  <p:stCondLst>
+                                    <p:cond delay="0"/>
+                                  </p:stCondLst>
+                                  <p:childTnLst>
+                                    <p:animMotion origin="layout" path="M 0 0 L -0.49688 0.11412 " pathEditMode="relative" ptsTypes="AA">
+                                      <p:cBhvr>
+                                        <p:cTn id="28" dur="2000" fill="hold"/>
+                                        <p:tgtEl>
+                                          <p:spTgt spid="26"/>
+                                        </p:tgtEl>
+                                        <p:attrNameLst>
+                                          <p:attrName>ppt_x</p:attrName>
+                                          <p:attrName>ppt_y</p:attrName>
+                                        </p:attrNameLst>
+                                      </p:cBhvr>
+                                    </p:animMotion>
+                                  </p:childTnLst>
+                                </p:cTn>
+                              </p:par>
+                              <p:par>
+                                <p:cTn id="29" presetID="0" presetClass="path" presetSubtype="0" accel="50000" decel="50000" fill="hold" grpId="0" nodeType="withEffect">
+                                  <p:stCondLst>
+                                    <p:cond delay="0"/>
+                                  </p:stCondLst>
+                                  <p:childTnLst>
+                                    <p:animMotion origin="layout" path="M 0 0 L -0.49688 0.11412 " pathEditMode="relative" ptsTypes="AA">
+                                      <p:cBhvr>
+                                        <p:cTn id="30" dur="2000" fill="hold"/>
+                                        <p:tgtEl>
+                                          <p:spTgt spid="27"/>
+                                        </p:tgtEl>
+                                        <p:attrNameLst>
+                                          <p:attrName>ppt_x</p:attrName>
+                                          <p:attrName>ppt_y</p:attrName>
+                                        </p:attrNameLst>
+                                      </p:cBhvr>
+                                    </p:animMotion>
+                                  </p:childTnLst>
+                                </p:cTn>
+                              </p:par>
+                              <p:par>
+                                <p:cTn id="31" presetID="0" presetClass="path" presetSubtype="0" accel="50000" decel="50000" fill="hold" grpId="0" nodeType="withEffect">
+                                  <p:stCondLst>
+                                    <p:cond delay="0"/>
+                                  </p:stCondLst>
+                                  <p:childTnLst>
+                                    <p:animMotion origin="layout" path="M -1.66667E-6 1.48148E-6 L 0.4974 0.11967 " pathEditMode="relative" rAng="0" ptsTypes="AA">
+                                      <p:cBhvr>
+                                        <p:cTn id="32" dur="2000" fill="hold"/>
+                                        <p:tgtEl>
+                                          <p:spTgt spid="21"/>
+                                        </p:tgtEl>
+                                        <p:attrNameLst>
+                                          <p:attrName>ppt_x</p:attrName>
+                                          <p:attrName>ppt_y</p:attrName>
+                                        </p:attrNameLst>
+                                      </p:cBhvr>
+                                      <p:rCtr x="24861" y="5972"/>
+                                    </p:animMotion>
+                                  </p:childTnLst>
+                                </p:cTn>
+                              </p:par>
+                              <p:par>
+                                <p:cTn id="33" presetID="0" presetClass="path" presetSubtype="0" accel="50000" decel="50000" fill="hold" grpId="0" nodeType="withEffect">
+                                  <p:stCondLst>
+                                    <p:cond delay="0"/>
+                                  </p:stCondLst>
+                                  <p:childTnLst>
+                                    <p:animMotion origin="layout" path="M -2.5E-6 1.48148E-6 L 0.4974 0.11967 " pathEditMode="relative" rAng="0" ptsTypes="AA">
+                                      <p:cBhvr>
+                                        <p:cTn id="34" dur="2000" fill="hold"/>
+                                        <p:tgtEl>
+                                          <p:spTgt spid="22"/>
+                                        </p:tgtEl>
+                                        <p:attrNameLst>
+                                          <p:attrName>ppt_x</p:attrName>
+                                          <p:attrName>ppt_y</p:attrName>
+                                        </p:attrNameLst>
+                                      </p:cBhvr>
+                                      <p:rCtr x="24861" y="5972"/>
+                                    </p:animMotion>
+                                  </p:childTnLst>
+                                </p:cTn>
+                              </p:par>
+                            </p:childTnLst>
+                          </p:cTn>
+                        </p:par>
+                      </p:childTnLst>
+                    </p:cTn>
+                  </p:par>
+                  <p:par>
+                    <p:cTn id="35" fill="hold">
+                      <p:stCondLst>
+                        <p:cond delay="indefinite"/>
+                      </p:stCondLst>
+                      <p:childTnLst>
+                        <p:par>
+                          <p:cTn id="36" fill="hold">
+                            <p:stCondLst>
+                              <p:cond delay="0"/>
+                            </p:stCondLst>
+                            <p:childTnLst>
+                              <p:par>
+                                <p:cTn id="37" presetID="1" presetClass="entr" presetSubtype="0" fill="hold" grpId="1" nodeType="clickEffect">
+                                  <p:stCondLst>
+                                    <p:cond delay="0"/>
+                                  </p:stCondLst>
+                                  <p:childTnLst>
+                                    <p:set>
+                                      <p:cBhvr>
+                                        <p:cTn id="38" dur="1" fill="hold">
+                                          <p:stCondLst>
+                                            <p:cond delay="0"/>
+                                          </p:stCondLst>
+                                        </p:cTn>
+                                        <p:tgtEl>
+                                          <p:spTgt spid="30"/>
+                                        </p:tgtEl>
+                                        <p:attrNameLst>
+                                          <p:attrName>style.visibility</p:attrName>
+                                        </p:attrNameLst>
+                                      </p:cBhvr>
+                                      <p:to>
+                                        <p:strVal val="visible"/>
+                                      </p:to>
+                                    </p:set>
+                                  </p:childTnLst>
+                                </p:cTn>
+                              </p:par>
+                            </p:childTnLst>
+                          </p:cTn>
+                        </p:par>
+                        <p:par>
+                          <p:cTn id="39" fill="hold">
+                            <p:stCondLst>
+                              <p:cond delay="0"/>
+                            </p:stCondLst>
+                            <p:childTnLst>
+                              <p:par>
+                                <p:cTn id="40" presetID="0" presetClass="path" presetSubtype="0" accel="50000" decel="50000" fill="hold" grpId="0" nodeType="afterEffect">
+                                  <p:stCondLst>
+                                    <p:cond delay="0"/>
+                                  </p:stCondLst>
+                                  <p:childTnLst>
+                                    <p:animMotion origin="layout" path="M 5.55556E-7 -0.00394 L 5.55556E-7 -0.2551 " pathEditMode="relative" rAng="0" ptsTypes="AA">
+                                      <p:cBhvr>
+                                        <p:cTn id="41" dur="2000" fill="hold"/>
+                                        <p:tgtEl>
+                                          <p:spTgt spid="30"/>
+                                        </p:tgtEl>
+                                        <p:attrNameLst>
+                                          <p:attrName>ppt_x</p:attrName>
+                                          <p:attrName>ppt_y</p:attrName>
+                                        </p:attrNameLst>
+                                      </p:cBhvr>
+                                      <p:rCtr x="0" y="-12569"/>
+                                    </p:animMotion>
+                                  </p:childTnLst>
+                                </p:cTn>
+                              </p:par>
+                            </p:childTnLst>
+                          </p:cTn>
+                        </p:par>
+                      </p:childTnLst>
+                    </p:cTn>
+                  </p:par>
+                </p:childTnLst>
+              </p:cTn>
+              <p:prevCondLst>
+                <p:cond evt="onPrev" delay="0">
+                  <p:tgtEl>
+                    <p:sldTgt/>
+                  </p:tgtEl>
+                </p:cond>
+              </p:prevCondLst>
+              <p:nextCondLst>
+                <p:cond evt="onNext" delay="0">
+                  <p:tgtEl>
+                    <p:sldTgt/>
+                  </p:tgtEl>
+                </p:cond>
+              </p:nextCondLst>
+            </p:seq>
+          </p:childTnLst>
+        </p:cTn>
+      </p:par>
+    </p:tnLst>
+    <p:bldLst>
+      <p:bldP spid="4" grpId="0" animBg="1"/>
+      <p:bldP spid="5" grpId="0" animBg="1"/>
+      <p:bldP spid="7" grpId="0" animBg="1"/>
+      <p:bldP spid="16" grpId="0" animBg="1"/>
+      <p:bldP spid="17" grpId="0" animBg="1"/>
+      <p:bldP spid="18" grpId="0" animBg="1"/>
+      <p:bldP spid="23" grpId="0" animBg="1"/>
+      <p:bldP spid="24" grpId="0" animBg="1"/>
+      <p:bldP spid="25" grpId="0" animBg="1"/>
+      <p:bldP spid="26" grpId="0" animBg="1"/>
+      <p:bldP spid="27" grpId="0" animBg="1"/>
+      <p:bldP spid="29" grpId="0"/>
+      <p:bldP spid="30" grpId="0" animBg="1"/>
+      <p:bldP spid="30" grpId="1" animBg="1"/>
+      <p:bldP spid="21" grpId="0" animBg="1"/>
+      <p:bldP spid="22" grpId="0" animBg="1"/>
+    </p:bldLst>
+  </p:timing>
 </p:sld>
 </file>
 
@@ -3939,6 +5701,13 @@
   <p:clrMapOvr>
     <a:masterClrMapping/>
   </p:clrMapOvr>
+  <p:timing>
+    <p:tnLst>
+      <p:par>
+        <p:cTn xmlns:p14="http://schemas.microsoft.com/office/powerpoint/2010/main" id="1" dur="indefinite" restart="never" nodeType="tmRoot"/>
+      </p:par>
+    </p:tnLst>
+  </p:timing>
 </p:sld>
 </file>
 
@@ -4007,6 +5776,13 @@
   <p:clrMapOvr>
     <a:masterClrMapping/>
   </p:clrMapOvr>
+  <p:timing>
+    <p:tnLst>
+      <p:par>
+        <p:cTn xmlns:p14="http://schemas.microsoft.com/office/powerpoint/2010/main" id="1" dur="indefinite" restart="never" nodeType="tmRoot"/>
+      </p:par>
+    </p:tnLst>
+  </p:timing>
 </p:sld>
 </file>
 
@@ -4075,6 +5851,13 @@
   <p:clrMapOvr>
     <a:masterClrMapping/>
   </p:clrMapOvr>
+  <p:timing>
+    <p:tnLst>
+      <p:par>
+        <p:cTn xmlns:p14="http://schemas.microsoft.com/office/powerpoint/2010/main" id="1" dur="indefinite" restart="never" nodeType="tmRoot"/>
+      </p:par>
+    </p:tnLst>
+  </p:timing>
 </p:sld>
 </file>
 
@@ -4143,6 +5926,13 @@
   <p:clrMapOvr>
     <a:masterClrMapping/>
   </p:clrMapOvr>
+  <p:timing>
+    <p:tnLst>
+      <p:par>
+        <p:cTn xmlns:p14="http://schemas.microsoft.com/office/powerpoint/2010/main" id="1" dur="indefinite" restart="never" nodeType="tmRoot"/>
+      </p:par>
+    </p:tnLst>
+  </p:timing>
 </p:sld>
 </file>
 
